--- a/2022/2022-04-29-Git-Exercises.pptx
+++ b/2022/2022-04-29-Git-Exercises.pptx
@@ -15924,14 +15924,14 @@
                 <a:cs typeface="Open Sans"/>
                 <a:sym typeface="Open Sans"/>
               </a:rPr>
-              <a:t>Local GIT Repos available online here:</a:t>
+              <a:t>Local GIT Repos available online here as a zip</a:t>
             </a:r>
           </a:p>
           <a:p>
             <a:pPr marL="0" indent="0">
               <a:buNone/>
             </a:pPr>
-            <a:endParaRPr lang="en-GB" sz="3200">
+            <a:endParaRPr lang="en-GB" sz="3200" dirty="0">
               <a:solidFill>
                 <a:srgbClr val="082F41"/>
               </a:solidFill>
@@ -15945,6 +15945,43 @@
             <a:pPr marL="0" indent="0">
               <a:buNone/>
             </a:pPr>
+            <a:r>
+              <a:rPr kumimoji="0" lang="en-GB" sz="2000" b="0" u="none" strike="noStrike" kern="0" cap="none" spc="0" normalizeH="0" noProof="0" dirty="0">
+                <a:ln>
+                  <a:noFill/>
+                </a:ln>
+                <a:solidFill>
+                  <a:srgbClr val="082F41"/>
+                </a:solidFill>
+                <a:effectLst/>
+                <a:uLnTx/>
+                <a:uFillTx/>
+                <a:latin typeface="Open Sans"/>
+                <a:ea typeface="Open Sans"/>
+                <a:cs typeface="Open Sans"/>
+                <a:sym typeface="Open Sans"/>
+                <a:hlinkClick r:id="rId3"/>
+              </a:rPr>
+              <a:t>https://github.com/Anthony-Mckale/talks-presentations/blob/master/2022/2022-04-29-exercise-git-training.zip</a:t>
+            </a:r>
+            <a:r>
+              <a:rPr kumimoji="0" lang="en-GB" sz="3200" b="0" u="none" strike="noStrike" kern="0" cap="none" spc="0" normalizeH="0" noProof="0" dirty="0">
+                <a:ln>
+                  <a:noFill/>
+                </a:ln>
+                <a:solidFill>
+                  <a:srgbClr val="082F41"/>
+                </a:solidFill>
+                <a:effectLst/>
+                <a:uLnTx/>
+                <a:uFillTx/>
+                <a:latin typeface="Open Sans"/>
+                <a:ea typeface="Open Sans"/>
+                <a:cs typeface="Open Sans"/>
+                <a:sym typeface="Open Sans"/>
+              </a:rPr>
+              <a:t> </a:t>
+            </a:r>
             <a:endParaRPr kumimoji="0" lang="en-GB" sz="2000" b="0" u="none" strike="noStrike" kern="0" cap="none" spc="0" normalizeH="0" noProof="0" dirty="0">
               <a:ln>
                 <a:noFill/>
